--- a/pages/gencyber/files/finalReport/FinalPresentationTemplate.pptx
+++ b/pages/gencyber/files/finalReport/FinalPresentationTemplate.pptx
@@ -5,7 +5,7 @@
     <p:sldMasterId id="2147483648" r:id="rId1"/>
   </p:sldMasterIdLst>
   <p:handoutMasterIdLst>
-    <p:handoutMasterId r:id="rId8"/>
+    <p:handoutMasterId r:id="rId10"/>
   </p:handoutMasterIdLst>
   <p:sldIdLst>
     <p:sldId id="256" r:id="rId2"/>
@@ -13,7 +13,9 @@
     <p:sldId id="258" r:id="rId4"/>
     <p:sldId id="259" r:id="rId5"/>
     <p:sldId id="260" r:id="rId6"/>
-    <p:sldId id="261" r:id="rId7"/>
+    <p:sldId id="262" r:id="rId7"/>
+    <p:sldId id="263" r:id="rId8"/>
+    <p:sldId id="261" r:id="rId9"/>
   </p:sldIdLst>
   <p:sldSz cx="12192000" cy="6858000"/>
   <p:notesSz cx="6858000" cy="9144000"/>
@@ -197,7 +199,7 @@
           <a:p>
             <a:fld id="{BFA28237-8B57-469F-B6A4-DA8E1BA0BFD6}" type="datetimeFigureOut">
               <a:rPr lang="en-US" smtClean="0"/>
-              <a:t>7/18/2018</a:t>
+              <a:t>7/19/18</a:t>
             </a:fld>
             <a:endParaRPr lang="en-US"/>
           </a:p>
@@ -411,7 +413,7 @@
           <a:p>
             <a:fld id="{0859DFDB-A3CA-42A4-9B73-135388BC931F}" type="datetimeFigureOut">
               <a:rPr lang="en-US" smtClean="0"/>
-              <a:t>7/18/2018</a:t>
+              <a:t>7/19/18</a:t>
             </a:fld>
             <a:endParaRPr lang="en-US"/>
           </a:p>
@@ -472,7 +474,7 @@
   <p:timing>
     <p:tnLst>
       <p:par>
-        <p:cTn id="1" dur="indefinite" restart="never" nodeType="tmRoot"/>
+        <p:cTn xmlns:p14="http://schemas.microsoft.com/office/powerpoint/2010/main" id="1" dur="indefinite" restart="never" nodeType="tmRoot"/>
       </p:par>
     </p:tnLst>
   </p:timing>
@@ -588,7 +590,7 @@
           <a:p>
             <a:fld id="{0859DFDB-A3CA-42A4-9B73-135388BC931F}" type="datetimeFigureOut">
               <a:rPr lang="en-US" smtClean="0"/>
-              <a:t>7/18/2018</a:t>
+              <a:t>7/19/18</a:t>
             </a:fld>
             <a:endParaRPr lang="en-US"/>
           </a:p>
@@ -649,7 +651,7 @@
   <p:timing>
     <p:tnLst>
       <p:par>
-        <p:cTn id="1" dur="indefinite" restart="never" nodeType="tmRoot"/>
+        <p:cTn xmlns:p14="http://schemas.microsoft.com/office/powerpoint/2010/main" id="1" dur="indefinite" restart="never" nodeType="tmRoot"/>
       </p:par>
     </p:tnLst>
   </p:timing>
@@ -775,7 +777,7 @@
           <a:p>
             <a:fld id="{0859DFDB-A3CA-42A4-9B73-135388BC931F}" type="datetimeFigureOut">
               <a:rPr lang="en-US" smtClean="0"/>
-              <a:t>7/18/2018</a:t>
+              <a:t>7/19/18</a:t>
             </a:fld>
             <a:endParaRPr lang="en-US"/>
           </a:p>
@@ -836,7 +838,7 @@
   <p:timing>
     <p:tnLst>
       <p:par>
-        <p:cTn id="1" dur="indefinite" restart="never" nodeType="tmRoot"/>
+        <p:cTn xmlns:p14="http://schemas.microsoft.com/office/powerpoint/2010/main" id="1" dur="indefinite" restart="never" nodeType="tmRoot"/>
       </p:par>
     </p:tnLst>
   </p:timing>
@@ -1027,7 +1029,7 @@
   <p:timing>
     <p:tnLst>
       <p:par>
-        <p:cTn id="1" dur="indefinite" restart="never" nodeType="tmRoot"/>
+        <p:cTn xmlns:p14="http://schemas.microsoft.com/office/powerpoint/2010/main" id="1" dur="indefinite" restart="never" nodeType="tmRoot"/>
       </p:par>
     </p:tnLst>
   </p:timing>
@@ -1284,7 +1286,7 @@
   <p:timing>
     <p:tnLst>
       <p:par>
-        <p:cTn id="1" dur="indefinite" restart="never" nodeType="tmRoot"/>
+        <p:cTn xmlns:p14="http://schemas.microsoft.com/office/powerpoint/2010/main" id="1" dur="indefinite" restart="never" nodeType="tmRoot"/>
       </p:par>
     </p:tnLst>
   </p:timing>
@@ -1527,7 +1529,7 @@
   <p:timing>
     <p:tnLst>
       <p:par>
-        <p:cTn id="1" dur="indefinite" restart="never" nodeType="tmRoot"/>
+        <p:cTn xmlns:p14="http://schemas.microsoft.com/office/powerpoint/2010/main" id="1" dur="indefinite" restart="never" nodeType="tmRoot"/>
       </p:par>
     </p:tnLst>
   </p:timing>
@@ -1840,7 +1842,7 @@
           <a:p>
             <a:fld id="{0859DFDB-A3CA-42A4-9B73-135388BC931F}" type="datetimeFigureOut">
               <a:rPr lang="en-US" smtClean="0"/>
-              <a:t>7/18/2018</a:t>
+              <a:t>7/19/18</a:t>
             </a:fld>
             <a:endParaRPr lang="en-US"/>
           </a:p>
@@ -1901,7 +1903,7 @@
   <p:timing>
     <p:tnLst>
       <p:par>
-        <p:cTn id="1" dur="indefinite" restart="never" nodeType="tmRoot"/>
+        <p:cTn xmlns:p14="http://schemas.microsoft.com/office/powerpoint/2010/main" id="1" dur="indefinite" restart="never" nodeType="tmRoot"/>
       </p:par>
     </p:tnLst>
   </p:timing>
@@ -2030,7 +2032,7 @@
   <p:timing>
     <p:tnLst>
       <p:par>
-        <p:cTn id="1" dur="indefinite" restart="never" nodeType="tmRoot"/>
+        <p:cTn xmlns:p14="http://schemas.microsoft.com/office/powerpoint/2010/main" id="1" dur="indefinite" restart="never" nodeType="tmRoot"/>
       </p:par>
     </p:tnLst>
   </p:timing>
@@ -2071,7 +2073,7 @@
           <a:p>
             <a:fld id="{0859DFDB-A3CA-42A4-9B73-135388BC931F}" type="datetimeFigureOut">
               <a:rPr lang="en-US" smtClean="0"/>
-              <a:t>7/18/2018</a:t>
+              <a:t>7/19/18</a:t>
             </a:fld>
             <a:endParaRPr lang="en-US"/>
           </a:p>
@@ -2132,7 +2134,7 @@
   <p:timing>
     <p:tnLst>
       <p:par>
-        <p:cTn id="1" dur="indefinite" restart="never" nodeType="tmRoot"/>
+        <p:cTn xmlns:p14="http://schemas.microsoft.com/office/powerpoint/2010/main" id="1" dur="indefinite" restart="never" nodeType="tmRoot"/>
       </p:par>
     </p:tnLst>
   </p:timing>
@@ -2355,7 +2357,7 @@
           <a:p>
             <a:fld id="{0859DFDB-A3CA-42A4-9B73-135388BC931F}" type="datetimeFigureOut">
               <a:rPr lang="en-US" smtClean="0"/>
-              <a:t>7/18/2018</a:t>
+              <a:t>7/19/18</a:t>
             </a:fld>
             <a:endParaRPr lang="en-US"/>
           </a:p>
@@ -2416,7 +2418,7 @@
   <p:timing>
     <p:tnLst>
       <p:par>
-        <p:cTn id="1" dur="indefinite" restart="never" nodeType="tmRoot"/>
+        <p:cTn xmlns:p14="http://schemas.microsoft.com/office/powerpoint/2010/main" id="1" dur="indefinite" restart="never" nodeType="tmRoot"/>
       </p:par>
     </p:tnLst>
   </p:timing>
@@ -2615,7 +2617,7 @@
           <a:p>
             <a:fld id="{0859DFDB-A3CA-42A4-9B73-135388BC931F}" type="datetimeFigureOut">
               <a:rPr lang="en-US" smtClean="0"/>
-              <a:t>7/18/2018</a:t>
+              <a:t>7/19/18</a:t>
             </a:fld>
             <a:endParaRPr lang="en-US"/>
           </a:p>
@@ -2676,7 +2678,7 @@
   <p:timing>
     <p:tnLst>
       <p:par>
-        <p:cTn id="1" dur="indefinite" restart="never" nodeType="tmRoot"/>
+        <p:cTn xmlns:p14="http://schemas.microsoft.com/office/powerpoint/2010/main" id="1" dur="indefinite" restart="never" nodeType="tmRoot"/>
       </p:par>
     </p:tnLst>
   </p:timing>
@@ -2835,7 +2837,7 @@
           <a:p>
             <a:fld id="{0859DFDB-A3CA-42A4-9B73-135388BC931F}" type="datetimeFigureOut">
               <a:rPr lang="en-US" smtClean="0"/>
-              <a:t>7/18/2018</a:t>
+              <a:t>7/19/18</a:t>
             </a:fld>
             <a:endParaRPr lang="en-US"/>
           </a:p>
@@ -2955,7 +2957,7 @@
           </a:prstGeom>
           <a:noFill/>
           <a:extLst>
-            <a:ext uri="{909E8E84-426E-40DD-AFC4-6F175D3DCCD1}">
+            <a:ext uri="{909E8E84-426E-40dd-AFC4-6F175D3DCCD1}">
               <a14:hiddenFill xmlns:a14="http://schemas.microsoft.com/office/drawing/2010/main">
                 <a:solidFill>
                   <a:srgbClr val="FFFFFF"/>
@@ -2996,7 +2998,7 @@
           </a:prstGeom>
           <a:noFill/>
           <a:extLst>
-            <a:ext uri="{909E8E84-426E-40DD-AFC4-6F175D3DCCD1}">
+            <a:ext uri="{909E8E84-426E-40dd-AFC4-6F175D3DCCD1}">
               <a14:hiddenFill xmlns:a14="http://schemas.microsoft.com/office/drawing/2010/main">
                 <a:solidFill>
                   <a:srgbClr val="FFFFFF"/>
@@ -3037,7 +3039,7 @@
           </a:prstGeom>
           <a:noFill/>
           <a:extLst>
-            <a:ext uri="{909E8E84-426E-40DD-AFC4-6F175D3DCCD1}">
+            <a:ext uri="{909E8E84-426E-40dd-AFC4-6F175D3DCCD1}">
               <a14:hiddenFill xmlns:a14="http://schemas.microsoft.com/office/drawing/2010/main">
                 <a:solidFill>
                   <a:srgbClr val="FFFFFF"/>
@@ -3071,7 +3073,7 @@
   <p:timing>
     <p:tnLst>
       <p:par>
-        <p:cTn id="1" dur="indefinite" restart="never" nodeType="tmRoot"/>
+        <p:cTn xmlns:p14="http://schemas.microsoft.com/office/powerpoint/2010/main" id="1" dur="indefinite" restart="never" nodeType="tmRoot"/>
       </p:par>
     </p:tnLst>
   </p:timing>
@@ -3440,7 +3442,7 @@
   <p:timing>
     <p:tnLst>
       <p:par>
-        <p:cTn id="1" dur="indefinite" restart="never" nodeType="tmRoot"/>
+        <p:cTn xmlns:p14="http://schemas.microsoft.com/office/powerpoint/2010/main" id="1" dur="indefinite" restart="never" nodeType="tmRoot"/>
       </p:par>
     </p:tnLst>
   </p:timing>
@@ -3519,7 +3521,7 @@
   <p:timing>
     <p:tnLst>
       <p:par>
-        <p:cTn id="1" dur="indefinite" restart="never" nodeType="tmRoot"/>
+        <p:cTn xmlns:p14="http://schemas.microsoft.com/office/powerpoint/2010/main" id="1" dur="indefinite" restart="never" nodeType="tmRoot"/>
       </p:par>
     </p:tnLst>
   </p:timing>
@@ -3555,9 +3557,15 @@
         </p:nvSpPr>
         <p:spPr/>
         <p:txBody>
-          <a:bodyPr/>
-          <a:lstStyle/>
-          <a:p>
+          <a:bodyPr>
+            <a:normAutofit fontScale="90000"/>
+          </a:bodyPr>
+          <a:lstStyle/>
+          <a:p>
+            <a:r>
+              <a:rPr lang="en-US" dirty="0" smtClean="0"/>
+              <a:t>Overview of Discovered Vulnerabilities</a:t>
+            </a:r>
             <a:endParaRPr lang="en-US" dirty="0"/>
           </a:p>
         </p:txBody>
@@ -3594,7 +3602,7 @@
   <p:timing>
     <p:tnLst>
       <p:par>
-        <p:cTn id="1" dur="indefinite" restart="never" nodeType="tmRoot"/>
+        <p:cTn xmlns:p14="http://schemas.microsoft.com/office/powerpoint/2010/main" id="1" dur="indefinite" restart="never" nodeType="tmRoot"/>
       </p:par>
     </p:tnLst>
   </p:timing>
@@ -3633,6 +3641,10 @@
           <a:bodyPr/>
           <a:lstStyle/>
           <a:p>
+            <a:r>
+              <a:rPr lang="en-US" dirty="0" smtClean="0"/>
+              <a:t>Impact of Vulnerabilities</a:t>
+            </a:r>
             <a:endParaRPr lang="en-US" dirty="0"/>
           </a:p>
         </p:txBody>
@@ -3652,7 +3664,7 @@
           <a:bodyPr/>
           <a:lstStyle/>
           <a:p>
-            <a:endParaRPr lang="en-US"/>
+            <a:endParaRPr lang="en-US" dirty="0"/>
           </a:p>
         </p:txBody>
       </p:sp>
@@ -3669,7 +3681,7 @@
   <p:timing>
     <p:tnLst>
       <p:par>
-        <p:cTn id="1" dur="indefinite" restart="never" nodeType="tmRoot"/>
+        <p:cTn xmlns:p14="http://schemas.microsoft.com/office/powerpoint/2010/main" id="1" dur="indefinite" restart="never" nodeType="tmRoot"/>
       </p:par>
     </p:tnLst>
   </p:timing>
@@ -3744,7 +3756,7 @@
   <p:timing>
     <p:tnLst>
       <p:par>
-        <p:cTn id="1" dur="indefinite" restart="never" nodeType="tmRoot"/>
+        <p:cTn xmlns:p14="http://schemas.microsoft.com/office/powerpoint/2010/main" id="1" dur="indefinite" restart="never" nodeType="tmRoot"/>
       </p:par>
     </p:tnLst>
   </p:timing>
@@ -3783,6 +3795,156 @@
           <a:bodyPr/>
           <a:lstStyle/>
           <a:p>
+            <a:endParaRPr lang="en-US" dirty="0"/>
+          </a:p>
+        </p:txBody>
+      </p:sp>
+      <p:sp>
+        <p:nvSpPr>
+          <p:cNvPr id="3" name="Content Placeholder 2"/>
+          <p:cNvSpPr>
+            <a:spLocks noGrp="1"/>
+          </p:cNvSpPr>
+          <p:nvPr>
+            <p:ph idx="1"/>
+          </p:nvPr>
+        </p:nvSpPr>
+        <p:spPr/>
+        <p:txBody>
+          <a:bodyPr/>
+          <a:lstStyle/>
+          <a:p>
+            <a:endParaRPr lang="en-US"/>
+          </a:p>
+        </p:txBody>
+      </p:sp>
+    </p:spTree>
+    <p:extLst>
+      <p:ext uri="{BB962C8B-B14F-4D97-AF65-F5344CB8AC3E}">
+        <p14:creationId xmlns:p14="http://schemas.microsoft.com/office/powerpoint/2010/main" val="4211540120"/>
+      </p:ext>
+    </p:extLst>
+  </p:cSld>
+  <p:clrMapOvr>
+    <a:masterClrMapping/>
+  </p:clrMapOvr>
+  <p:timing>
+    <p:tnLst>
+      <p:par>
+        <p:cTn xmlns:p14="http://schemas.microsoft.com/office/powerpoint/2010/main" id="1" dur="indefinite" restart="never" nodeType="tmRoot"/>
+      </p:par>
+    </p:tnLst>
+  </p:timing>
+</p:sld>
+</file>
+
+<file path=ppt/slides/slide7.xml><?xml version="1.0" encoding="utf-8"?>
+<p:sld xmlns:a="http://schemas.openxmlformats.org/drawingml/2006/main" xmlns:r="http://schemas.openxmlformats.org/officeDocument/2006/relationships" xmlns:p="http://schemas.openxmlformats.org/presentationml/2006/main">
+  <p:cSld>
+    <p:spTree>
+      <p:nvGrpSpPr>
+        <p:cNvPr id="1" name=""/>
+        <p:cNvGrpSpPr/>
+        <p:nvPr/>
+      </p:nvGrpSpPr>
+      <p:grpSpPr>
+        <a:xfrm>
+          <a:off x="0" y="0"/>
+          <a:ext cx="0" cy="0"/>
+          <a:chOff x="0" y="0"/>
+          <a:chExt cx="0" cy="0"/>
+        </a:xfrm>
+      </p:grpSpPr>
+      <p:sp>
+        <p:nvSpPr>
+          <p:cNvPr id="2" name="Title 1"/>
+          <p:cNvSpPr>
+            <a:spLocks noGrp="1"/>
+          </p:cNvSpPr>
+          <p:nvPr>
+            <p:ph type="title"/>
+          </p:nvPr>
+        </p:nvSpPr>
+        <p:spPr/>
+        <p:txBody>
+          <a:bodyPr/>
+          <a:lstStyle/>
+          <a:p>
+            <a:endParaRPr lang="en-US" dirty="0"/>
+          </a:p>
+        </p:txBody>
+      </p:sp>
+      <p:sp>
+        <p:nvSpPr>
+          <p:cNvPr id="3" name="Content Placeholder 2"/>
+          <p:cNvSpPr>
+            <a:spLocks noGrp="1"/>
+          </p:cNvSpPr>
+          <p:nvPr>
+            <p:ph idx="1"/>
+          </p:nvPr>
+        </p:nvSpPr>
+        <p:spPr/>
+        <p:txBody>
+          <a:bodyPr/>
+          <a:lstStyle/>
+          <a:p>
+            <a:endParaRPr lang="en-US"/>
+          </a:p>
+        </p:txBody>
+      </p:sp>
+    </p:spTree>
+    <p:extLst>
+      <p:ext uri="{BB962C8B-B14F-4D97-AF65-F5344CB8AC3E}">
+        <p14:creationId xmlns:p14="http://schemas.microsoft.com/office/powerpoint/2010/main" val="3649978782"/>
+      </p:ext>
+    </p:extLst>
+  </p:cSld>
+  <p:clrMapOvr>
+    <a:masterClrMapping/>
+  </p:clrMapOvr>
+  <p:timing>
+    <p:tnLst>
+      <p:par>
+        <p:cTn xmlns:p14="http://schemas.microsoft.com/office/powerpoint/2010/main" id="1" dur="indefinite" restart="never" nodeType="tmRoot"/>
+      </p:par>
+    </p:tnLst>
+  </p:timing>
+</p:sld>
+</file>
+
+<file path=ppt/slides/slide8.xml><?xml version="1.0" encoding="utf-8"?>
+<p:sld xmlns:a="http://schemas.openxmlformats.org/drawingml/2006/main" xmlns:r="http://schemas.openxmlformats.org/officeDocument/2006/relationships" xmlns:p="http://schemas.openxmlformats.org/presentationml/2006/main">
+  <p:cSld>
+    <p:spTree>
+      <p:nvGrpSpPr>
+        <p:cNvPr id="1" name=""/>
+        <p:cNvGrpSpPr/>
+        <p:nvPr/>
+      </p:nvGrpSpPr>
+      <p:grpSpPr>
+        <a:xfrm>
+          <a:off x="0" y="0"/>
+          <a:ext cx="0" cy="0"/>
+          <a:chOff x="0" y="0"/>
+          <a:chExt cx="0" cy="0"/>
+        </a:xfrm>
+      </p:grpSpPr>
+      <p:sp>
+        <p:nvSpPr>
+          <p:cNvPr id="2" name="Title 1"/>
+          <p:cNvSpPr>
+            <a:spLocks noGrp="1"/>
+          </p:cNvSpPr>
+          <p:nvPr>
+            <p:ph type="title"/>
+          </p:nvPr>
+        </p:nvSpPr>
+        <p:spPr/>
+        <p:txBody>
+          <a:bodyPr/>
+          <a:lstStyle/>
+          <a:p>
             <a:r>
               <a:rPr lang="en-US" dirty="0" smtClean="0"/>
               <a:t>Conclusion</a:t>
@@ -3823,7 +3985,7 @@
   <p:timing>
     <p:tnLst>
       <p:par>
-        <p:cTn id="1" dur="indefinite" restart="never" nodeType="tmRoot"/>
+        <p:cTn xmlns:p14="http://schemas.microsoft.com/office/powerpoint/2010/main" id="1" dur="indefinite" restart="never" nodeType="tmRoot"/>
       </p:par>
     </p:tnLst>
   </p:timing>
@@ -3873,7 +4035,7 @@
     </a:clrScheme>
     <a:fontScheme name="Office">
       <a:majorFont>
-        <a:latin typeface="Calibri Light" panose="020F0302020204030204"/>
+        <a:latin typeface="Calibri Light"/>
         <a:ea typeface=""/>
         <a:cs typeface=""/>
         <a:font script="Jpan" typeface="ＭＳ Ｐゴシック"/>
@@ -3908,7 +4070,7 @@
         <a:font script="Geor" typeface="Sylfaen"/>
       </a:majorFont>
       <a:minorFont>
-        <a:latin typeface="Calibri" panose="020F0502020204030204"/>
+        <a:latin typeface="Calibri"/>
         <a:ea typeface=""/>
         <a:cs typeface=""/>
         <a:font script="Jpan" typeface="ＭＳ Ｐゴシック"/>
@@ -4085,7 +4247,7 @@
   <a:extraClrSchemeLst/>
   <a:extLst>
     <a:ext uri="{05A4C25C-085E-4340-85A3-A5531E510DB2}">
-      <thm15:themeFamily xmlns:thm15="http://schemas.microsoft.com/office/thememl/2012/main" name="Office Theme" id="{62F939B6-93AF-4DB8-9C6B-D6C7DFDC589F}" vid="{4A3C46E8-61CC-4603-A589-7422A47A8E4A}"/>
+      <thm15:themeFamily xmlns:thm15="http://schemas.microsoft.com/office/thememl/2012/main" xmlns="" name="Office Theme" id="{62F939B6-93AF-4DB8-9C6B-D6C7DFDC589F}" vid="{4A3C46E8-61CC-4603-A589-7422A47A8E4A}"/>
     </a:ext>
   </a:extLst>
 </a:theme>
@@ -4134,7 +4296,7 @@
     </a:clrScheme>
     <a:fontScheme name="Office">
       <a:majorFont>
-        <a:latin typeface="Calibri Light" panose="020F0302020204030204"/>
+        <a:latin typeface="Calibri Light"/>
         <a:ea typeface=""/>
         <a:cs typeface=""/>
         <a:font script="Jpan" typeface="ＭＳ Ｐゴシック"/>
@@ -4169,7 +4331,7 @@
         <a:font script="Geor" typeface="Sylfaen"/>
       </a:majorFont>
       <a:minorFont>
-        <a:latin typeface="Calibri" panose="020F0502020204030204"/>
+        <a:latin typeface="Calibri"/>
         <a:ea typeface=""/>
         <a:cs typeface=""/>
         <a:font script="Jpan" typeface="ＭＳ Ｐゴシック"/>
@@ -4346,7 +4508,7 @@
   <a:extraClrSchemeLst/>
   <a:extLst>
     <a:ext uri="{05A4C25C-085E-4340-85A3-A5531E510DB2}">
-      <thm15:themeFamily xmlns:thm15="http://schemas.microsoft.com/office/thememl/2012/main" name="Office Theme" id="{62F939B6-93AF-4DB8-9C6B-D6C7DFDC589F}" vid="{4A3C46E8-61CC-4603-A589-7422A47A8E4A}"/>
+      <thm15:themeFamily xmlns:thm15="http://schemas.microsoft.com/office/thememl/2012/main" xmlns="" name="Office Theme" id="{62F939B6-93AF-4DB8-9C6B-D6C7DFDC589F}" vid="{4A3C46E8-61CC-4603-A589-7422A47A8E4A}"/>
     </a:ext>
   </a:extLst>
 </a:theme>
